--- a/JavaScript教学记录.pptx
+++ b/JavaScript教学记录.pptx
@@ -20,8 +20,13 @@
     <p:sldId id="271" r:id="rId14"/>
     <p:sldId id="265" r:id="rId15"/>
     <p:sldId id="267" r:id="rId16"/>
-    <p:sldId id="272" r:id="rId17"/>
-    <p:sldId id="270" r:id="rId18"/>
+    <p:sldId id="273" r:id="rId17"/>
+    <p:sldId id="274" r:id="rId18"/>
+    <p:sldId id="275" r:id="rId19"/>
+    <p:sldId id="272" r:id="rId20"/>
+    <p:sldId id="270" r:id="rId21"/>
+    <p:sldId id="276" r:id="rId22"/>
+    <p:sldId id="277" r:id="rId23"/>
   </p:sldIdLst>
   <p:sldSz cx="9144000" cy="6858000" type="screen4x3"/>
   <p:notesSz cx="6858000" cy="9144000"/>
@@ -135,7 +140,7 @@
             <p14:sldId id="259"/>
           </p14:sldIdLst>
         </p14:section>
-        <p14:section name="JavaScript基本语法" id="{1B361C88-7230-DD4A-BB05-A4F0DC0DA0AD}">
+        <p14:section name="JavaScript基础" id="{1B361C88-7230-DD4A-BB05-A4F0DC0DA0AD}">
           <p14:sldIdLst>
             <p14:sldId id="260"/>
             <p14:sldId id="261"/>
@@ -147,13 +152,14 @@
             <p14:sldId id="269"/>
             <p14:sldId id="271"/>
             <p14:sldId id="265"/>
-          </p14:sldIdLst>
-        </p14:section>
-        <p14:section name="常用功能" id="{0579994A-D11B-1744-BC5F-2DEC421C8AA4}">
-          <p14:sldIdLst>
             <p14:sldId id="267"/>
+            <p14:sldId id="273"/>
+            <p14:sldId id="274"/>
+            <p14:sldId id="275"/>
             <p14:sldId id="272"/>
             <p14:sldId id="270"/>
+            <p14:sldId id="276"/>
+            <p14:sldId id="277"/>
           </p14:sldIdLst>
         </p14:section>
       </p14:sectionLst>
@@ -3500,7 +3506,41 @@
             </a:r>
             <a:r>
               <a:rPr lang="zh-CN" altLang="en-US" dirty="0" smtClean="0"/>
-              <a:t>关键字</a:t>
+              <a:t>关键</a:t>
+            </a:r>
+            <a:r>
+              <a:rPr lang="zh-CN" altLang="en-US" dirty="0" smtClean="0"/>
+              <a:t>字</a:t>
+            </a:r>
+            <a:endParaRPr lang="en-US" altLang="zh-CN" dirty="0" smtClean="0"/>
+          </a:p>
+          <a:p>
+            <a:r>
+              <a:rPr lang="en-US" altLang="zh-CN" dirty="0" err="1"/>
+              <a:t>c</a:t>
+            </a:r>
+            <a:r>
+              <a:rPr lang="en-US" altLang="zh-CN" dirty="0" err="1" smtClean="0"/>
+              <a:t>all</a:t>
+            </a:r>
+            <a:r>
+              <a:rPr lang="en-US" altLang="en-US" dirty="0" err="1" smtClean="0"/>
+              <a:t>方法</a:t>
+            </a:r>
+            <a:endParaRPr lang="en-US" altLang="en-US" dirty="0" smtClean="0"/>
+          </a:p>
+          <a:p>
+            <a:r>
+              <a:rPr lang="en-US" altLang="zh-CN" dirty="0"/>
+              <a:t>a</a:t>
+            </a:r>
+            <a:r>
+              <a:rPr lang="en-US" altLang="zh-CN" dirty="0" smtClean="0"/>
+              <a:t>pply</a:t>
+            </a:r>
+            <a:r>
+              <a:rPr lang="zh-CN" altLang="en-US" dirty="0" smtClean="0"/>
+              <a:t>方法</a:t>
             </a:r>
             <a:endParaRPr lang="en-US" altLang="zh-CN" dirty="0" smtClean="0"/>
           </a:p>
@@ -3588,7 +3628,26 @@
             </a:r>
             <a:r>
               <a:rPr kumimoji="1" lang="zh-CN" altLang="en-US" dirty="0" smtClean="0"/>
-              <a:t>用于判断数据的类型</a:t>
+              <a:t>用于判断数据</a:t>
+            </a:r>
+            <a:r>
+              <a:rPr kumimoji="1" lang="zh-CN" altLang="en-US" dirty="0" smtClean="0"/>
+              <a:t>的类型</a:t>
+            </a:r>
+            <a:endParaRPr kumimoji="1" lang="en-US" altLang="zh-CN" dirty="0" smtClean="0"/>
+          </a:p>
+          <a:p>
+            <a:r>
+              <a:rPr kumimoji="1" lang="en-US" altLang="zh-CN" dirty="0"/>
+              <a:t>d</a:t>
+            </a:r>
+            <a:r>
+              <a:rPr kumimoji="1" lang="en-US" altLang="zh-CN" dirty="0" smtClean="0"/>
+              <a:t>elete </a:t>
+            </a:r>
+            <a:r>
+              <a:rPr kumimoji="1" lang="zh-CN" altLang="en-US" dirty="0" smtClean="0"/>
+              <a:t>用于删除对象的成员</a:t>
             </a:r>
             <a:endParaRPr kumimoji="1" lang="zh-CN" altLang="en-US" dirty="0"/>
           </a:p>
@@ -3813,11 +3872,7 @@
             </a:r>
             <a:r>
               <a:rPr kumimoji="1" lang="en-US" altLang="zh-CN" dirty="0" smtClean="0"/>
-              <a:t>)</a:t>
-            </a:r>
-            <a:r>
-              <a:rPr kumimoji="1" lang="en-US" altLang="zh-CN" dirty="0" smtClean="0"/>
-              <a:t>)</a:t>
+              <a:t>))</a:t>
             </a:r>
             <a:r>
               <a:rPr kumimoji="1" lang="zh-CN" altLang="en-US" dirty="0" smtClean="0"/>
@@ -3827,7 +3882,6 @@
               <a:rPr kumimoji="1" lang="en-US" altLang="zh-CN" dirty="0" smtClean="0"/>
               <a:t>-1</a:t>
             </a:r>
-            <a:endParaRPr kumimoji="1" lang="en-US" altLang="zh-CN" dirty="0" smtClean="0"/>
           </a:p>
           <a:p>
             <a:r>
@@ -3943,113 +3997,145 @@
           <a:p>
             <a:r>
               <a:rPr kumimoji="1" lang="zh-CN" altLang="en-US" dirty="0" smtClean="0"/>
-              <a:t>控制台</a:t>
+              <a:t>数组</a:t>
+            </a:r>
+            <a:endParaRPr kumimoji="1" lang="zh-CN" altLang="en-US" dirty="0"/>
+          </a:p>
+        </p:txBody>
+      </p:sp>
+      <p:sp>
+        <p:nvSpPr>
+          <p:cNvPr id="3" name="内容占位符 2"/>
+          <p:cNvSpPr>
+            <a:spLocks noGrp="1"/>
+          </p:cNvSpPr>
+          <p:nvPr>
+            <p:ph idx="1"/>
+          </p:nvPr>
+        </p:nvSpPr>
+        <p:spPr/>
+        <p:txBody>
+          <a:bodyPr>
+            <a:normAutofit lnSpcReduction="10000"/>
+          </a:bodyPr>
+          <a:lstStyle/>
+          <a:p>
+            <a:r>
+              <a:rPr kumimoji="1" lang="en-US" altLang="zh-CN" dirty="0"/>
+              <a:t>p</a:t>
             </a:r>
             <a:r>
               <a:rPr kumimoji="1" lang="en-US" altLang="zh-CN" dirty="0" smtClean="0"/>
-              <a:t>console</a:t>
-            </a:r>
-            <a:endParaRPr kumimoji="1" lang="zh-CN" altLang="en-US" dirty="0"/>
-          </a:p>
-        </p:txBody>
-      </p:sp>
-      <p:sp>
-        <p:nvSpPr>
-          <p:cNvPr id="3" name="内容占位符 2"/>
-          <p:cNvSpPr>
-            <a:spLocks noGrp="1"/>
-          </p:cNvSpPr>
-          <p:nvPr>
-            <p:ph idx="1"/>
-          </p:nvPr>
-        </p:nvSpPr>
-        <p:spPr>
-          <a:xfrm>
-            <a:off x="457200" y="1600200"/>
-            <a:ext cx="8229600" cy="2604911"/>
-          </a:xfrm>
-        </p:spPr>
-        <p:txBody>
-          <a:bodyPr/>
-          <a:lstStyle/>
-          <a:p>
-            <a:r>
-              <a:rPr kumimoji="1" lang="en-US" altLang="zh-CN" dirty="0" err="1"/>
+              <a:t>ush </a:t>
+            </a:r>
+            <a:r>
+              <a:rPr kumimoji="1" lang="zh-CN" altLang="en-US" dirty="0" smtClean="0"/>
+              <a:t>在末尾添加一个元素</a:t>
+            </a:r>
+            <a:endParaRPr kumimoji="1" lang="en-US" altLang="zh-CN" dirty="0" smtClean="0"/>
+          </a:p>
+          <a:p>
+            <a:r>
+              <a:rPr kumimoji="1" lang="en-US" altLang="zh-CN" dirty="0"/>
+              <a:t>s</a:t>
+            </a:r>
+            <a:r>
+              <a:rPr kumimoji="1" lang="en-US" altLang="zh-CN" dirty="0" smtClean="0"/>
+              <a:t>plice </a:t>
+            </a:r>
+            <a:r>
+              <a:rPr kumimoji="1" lang="zh-CN" altLang="en-US" dirty="0" smtClean="0"/>
+              <a:t>修改数组元素（添加、删除）</a:t>
+            </a:r>
+            <a:endParaRPr kumimoji="1" lang="en-US" altLang="zh-CN" dirty="0" smtClean="0"/>
+          </a:p>
+          <a:p>
+            <a:r>
+              <a:rPr lang="en-US" altLang="zh-CN" dirty="0" err="1"/>
               <a:t>c</a:t>
             </a:r>
             <a:r>
-              <a:rPr kumimoji="1" lang="en-US" altLang="zh-CN" dirty="0" err="1" smtClean="0"/>
-              <a:t>onsole.error</a:t>
-            </a:r>
+              <a:rPr lang="en-US" altLang="zh-CN" dirty="0" err="1" smtClean="0"/>
+              <a:t>oncat</a:t>
+            </a:r>
+            <a:r>
+              <a:rPr lang="en-US" altLang="zh-CN" dirty="0" smtClean="0"/>
+              <a:t> </a:t>
+            </a:r>
+            <a:r>
+              <a:rPr lang="zh-CN" altLang="en-US" dirty="0" smtClean="0"/>
+              <a:t>连接数组</a:t>
+            </a:r>
+            <a:endParaRPr lang="en-US" altLang="zh-CN" dirty="0" smtClean="0"/>
+          </a:p>
+          <a:p>
+            <a:r>
+              <a:rPr lang="en-US" altLang="zh-CN" dirty="0"/>
+              <a:t>j</a:t>
+            </a:r>
+            <a:r>
+              <a:rPr lang="en-US" altLang="zh-CN" dirty="0" smtClean="0"/>
+              <a:t>oin </a:t>
+            </a:r>
+            <a:r>
+              <a:rPr lang="zh-CN" altLang="en-US" dirty="0" smtClean="0"/>
+              <a:t>将数组转成字符串</a:t>
+            </a:r>
+            <a:endParaRPr lang="en-US" altLang="zh-CN" dirty="0" smtClean="0"/>
+          </a:p>
+          <a:p>
+            <a:r>
+              <a:rPr lang="en-US" altLang="zh-CN" dirty="0" err="1" smtClean="0"/>
+              <a:t>forEach</a:t>
+            </a:r>
+            <a:r>
+              <a:rPr lang="en-US" altLang="zh-CN" dirty="0" smtClean="0"/>
+              <a:t> </a:t>
+            </a:r>
+            <a:r>
+              <a:rPr lang="zh-CN" altLang="en-US" dirty="0" smtClean="0"/>
+              <a:t>遍历数组</a:t>
+            </a:r>
+            <a:endParaRPr lang="en-US" altLang="zh-CN" dirty="0" smtClean="0"/>
+          </a:p>
+          <a:p>
             <a:r>
               <a:rPr kumimoji="1" lang="en-US" altLang="zh-CN" dirty="0" smtClean="0"/>
-              <a:t> </a:t>
-            </a:r>
-            <a:r>
-              <a:rPr kumimoji="1" lang="zh-CN" altLang="en-US" dirty="0" smtClean="0"/>
-              <a:t>输出错误信息</a:t>
+              <a:t>pop </a:t>
+            </a:r>
+            <a:r>
+              <a:rPr kumimoji="1" lang="en-US" altLang="en-US" dirty="0" smtClean="0"/>
+              <a:t>删除末尾元素</a:t>
+            </a:r>
+          </a:p>
+          <a:p>
+            <a:r>
+              <a:rPr kumimoji="1" lang="en-US" altLang="zh-CN" dirty="0" smtClean="0"/>
+              <a:t>shift</a:t>
+            </a:r>
+            <a:r>
+              <a:rPr kumimoji="1" lang="zh-CN" altLang="en-US" dirty="0" smtClean="0"/>
+              <a:t> 删除第一个元素</a:t>
             </a:r>
             <a:endParaRPr kumimoji="1" lang="en-US" altLang="zh-CN" dirty="0" smtClean="0"/>
           </a:p>
           <a:p>
             <a:r>
-              <a:rPr kumimoji="1" lang="en-US" altLang="zh-CN" dirty="0" err="1" smtClean="0"/>
-              <a:t>console.warn</a:t>
-            </a:r>
-            <a:r>
-              <a:rPr kumimoji="1" lang="en-US" altLang="zh-CN" dirty="0" smtClean="0"/>
-              <a:t> </a:t>
-            </a:r>
-            <a:r>
-              <a:rPr kumimoji="1" lang="zh-CN" altLang="en-US" dirty="0" smtClean="0"/>
-              <a:t>输出警告信息</a:t>
-            </a:r>
-            <a:endParaRPr kumimoji="1" lang="en-US" altLang="zh-CN" dirty="0" smtClean="0"/>
-          </a:p>
-          <a:p>
-            <a:r>
-              <a:rPr kumimoji="1" lang="en-US" altLang="zh-CN" dirty="0" err="1"/>
-              <a:t>c</a:t>
-            </a:r>
-            <a:r>
-              <a:rPr kumimoji="1" lang="en-US" altLang="zh-CN" dirty="0" err="1" smtClean="0"/>
-              <a:t>onsole.info</a:t>
-            </a:r>
-            <a:r>
-              <a:rPr kumimoji="1" lang="en-US" altLang="zh-CN" dirty="0" smtClean="0"/>
-              <a:t> </a:t>
-            </a:r>
-            <a:r>
-              <a:rPr kumimoji="1" lang="zh-CN" altLang="en-US" dirty="0" smtClean="0"/>
-              <a:t>输出信息</a:t>
-            </a:r>
-            <a:endParaRPr kumimoji="1" lang="en-US" altLang="zh-CN" dirty="0" smtClean="0"/>
-          </a:p>
-          <a:p>
-            <a:r>
-              <a:rPr kumimoji="1" lang="en-US" altLang="zh-CN" dirty="0" err="1"/>
-              <a:t>c</a:t>
-            </a:r>
-            <a:r>
-              <a:rPr kumimoji="1" lang="en-US" altLang="zh-CN" dirty="0" err="1" smtClean="0"/>
-              <a:t>onsole.log</a:t>
-            </a:r>
-            <a:r>
-              <a:rPr kumimoji="1" lang="en-US" altLang="zh-CN" dirty="0" smtClean="0"/>
-              <a:t> </a:t>
-            </a:r>
-            <a:r>
-              <a:rPr kumimoji="1" lang="zh-CN" altLang="en-US" dirty="0" smtClean="0"/>
-              <a:t>输出日志</a:t>
-            </a:r>
-            <a:endParaRPr kumimoji="1" lang="zh-CN" altLang="en-US" dirty="0"/>
+              <a:rPr lang="en-US" altLang="zh-CN" dirty="0" smtClean="0"/>
+              <a:t>sort </a:t>
+            </a:r>
+            <a:r>
+              <a:rPr lang="zh-CN" altLang="en-US" dirty="0" smtClean="0"/>
+              <a:t>排序</a:t>
+            </a:r>
+            <a:endParaRPr kumimoji="1" lang="en-US" altLang="en-US" dirty="0" smtClean="0"/>
           </a:p>
         </p:txBody>
       </p:sp>
     </p:spTree>
     <p:extLst>
       <p:ext uri="{BB962C8B-B14F-4D97-AF65-F5344CB8AC3E}">
-        <p14:creationId xmlns:p14="http://schemas.microsoft.com/office/powerpoint/2010/main" val="1177679800"/>
+        <p14:creationId xmlns:p14="http://schemas.microsoft.com/office/powerpoint/2010/main" val="4195235412"/>
       </p:ext>
     </p:extLst>
   </p:cSld>
@@ -4093,7 +4179,7 @@
           <a:p>
             <a:r>
               <a:rPr kumimoji="1" lang="zh-CN" altLang="en-US" dirty="0" smtClean="0"/>
-              <a:t>作业</a:t>
+              <a:t>对象</a:t>
             </a:r>
             <a:endParaRPr kumimoji="1" lang="zh-CN" altLang="en-US" dirty="0"/>
           </a:p>
@@ -4109,66 +4195,275 @@
             <p:ph idx="1"/>
           </p:nvPr>
         </p:nvSpPr>
-        <p:spPr>
-          <a:xfrm>
-            <a:off x="457200" y="1600201"/>
-            <a:ext cx="8229600" cy="685800"/>
-          </a:xfrm>
-        </p:spPr>
-        <p:txBody>
-          <a:bodyPr/>
-          <a:lstStyle/>
-          <a:p>
-            <a:r>
-              <a:rPr kumimoji="1" lang="zh-CN" altLang="en-US" dirty="0" smtClean="0"/>
-              <a:t>实现</a:t>
-            </a:r>
-            <a:r>
-              <a:rPr kumimoji="1" lang="en-US" altLang="zh-CN" dirty="0" err="1" smtClean="0"/>
-              <a:t>printf</a:t>
-            </a:r>
-            <a:r>
-              <a:rPr kumimoji="1" lang="zh-CN" altLang="en-US" dirty="0" smtClean="0"/>
-              <a:t>函数，效果如下</a:t>
+        <p:spPr/>
+        <p:txBody>
+          <a:bodyPr/>
+          <a:lstStyle/>
+          <a:p>
+            <a:r>
+              <a:rPr kumimoji="1" lang="zh-CN" altLang="en-US" dirty="0" smtClean="0"/>
+              <a:t>定义对象</a:t>
+            </a:r>
+            <a:endParaRPr kumimoji="1" lang="en-US" altLang="zh-CN" dirty="0" smtClean="0"/>
+          </a:p>
+          <a:p>
+            <a:r>
+              <a:rPr kumimoji="1" lang="zh-CN" altLang="en-US" dirty="0" smtClean="0"/>
+              <a:t>访问对象成员</a:t>
+            </a:r>
+            <a:endParaRPr kumimoji="1" lang="en-US" altLang="zh-CN" dirty="0" smtClean="0"/>
+          </a:p>
+          <a:p>
+            <a:r>
+              <a:rPr kumimoji="1" lang="zh-CN" altLang="en-US" dirty="0" smtClean="0"/>
+              <a:t>删除对象成员</a:t>
             </a:r>
             <a:endParaRPr kumimoji="1" lang="zh-CN" altLang="en-US" dirty="0"/>
           </a:p>
         </p:txBody>
       </p:sp>
-      <p:pic>
-        <p:nvPicPr>
-          <p:cNvPr id="5" name="图片 4" descr="Screen Shot 2016-06-12 at 4.59.44 PM.png"/>
-          <p:cNvPicPr>
-            <a:picLocks noChangeAspect="1"/>
-          </p:cNvPicPr>
-          <p:nvPr/>
-        </p:nvPicPr>
-        <p:blipFill>
-          <a:blip r:embed="rId2">
-            <a:extLst>
-              <a:ext uri="{28A0092B-C50C-407E-A947-70E740481C1C}">
-                <a14:useLocalDpi xmlns:a14="http://schemas.microsoft.com/office/drawing/2010/main" val="0"/>
-              </a:ext>
-            </a:extLst>
-          </a:blip>
-          <a:stretch>
-            <a:fillRect/>
-          </a:stretch>
-        </p:blipFill>
-        <p:spPr>
-          <a:xfrm>
-            <a:off x="1255889" y="2623255"/>
-            <a:ext cx="5588000" cy="3162300"/>
-          </a:xfrm>
-          <a:prstGeom prst="rect">
-            <a:avLst/>
-          </a:prstGeom>
-        </p:spPr>
-      </p:pic>
     </p:spTree>
     <p:extLst>
       <p:ext uri="{BB962C8B-B14F-4D97-AF65-F5344CB8AC3E}">
-        <p14:creationId xmlns:p14="http://schemas.microsoft.com/office/powerpoint/2010/main" val="1033835893"/>
+        <p14:creationId xmlns:p14="http://schemas.microsoft.com/office/powerpoint/2010/main" val="2956689127"/>
+      </p:ext>
+    </p:extLst>
+  </p:cSld>
+  <p:clrMapOvr>
+    <a:masterClrMapping/>
+  </p:clrMapOvr>
+</p:sld>
+</file>
+
+<file path=ppt/slides/slide18.xml><?xml version="1.0" encoding="utf-8"?>
+<p:sld xmlns:a="http://schemas.openxmlformats.org/drawingml/2006/main" xmlns:r="http://schemas.openxmlformats.org/officeDocument/2006/relationships" xmlns:p="http://schemas.openxmlformats.org/presentationml/2006/main">
+  <p:cSld>
+    <p:spTree>
+      <p:nvGrpSpPr>
+        <p:cNvPr id="1" name=""/>
+        <p:cNvGrpSpPr/>
+        <p:nvPr/>
+      </p:nvGrpSpPr>
+      <p:grpSpPr>
+        <a:xfrm>
+          <a:off x="0" y="0"/>
+          <a:ext cx="0" cy="0"/>
+          <a:chOff x="0" y="0"/>
+          <a:chExt cx="0" cy="0"/>
+        </a:xfrm>
+      </p:grpSpPr>
+      <p:sp>
+        <p:nvSpPr>
+          <p:cNvPr id="2" name="标题 1"/>
+          <p:cNvSpPr>
+            <a:spLocks noGrp="1"/>
+          </p:cNvSpPr>
+          <p:nvPr>
+            <p:ph type="title"/>
+          </p:nvPr>
+        </p:nvSpPr>
+        <p:spPr/>
+        <p:txBody>
+          <a:bodyPr/>
+          <a:lstStyle/>
+          <a:p>
+            <a:r>
+              <a:rPr kumimoji="1" lang="en-US" altLang="zh-CN" dirty="0" smtClean="0"/>
+              <a:t>Math</a:t>
+            </a:r>
+            <a:r>
+              <a:rPr kumimoji="1" lang="zh-CN" altLang="en-US" dirty="0" smtClean="0"/>
+              <a:t>类</a:t>
+            </a:r>
+            <a:endParaRPr kumimoji="1" lang="zh-CN" altLang="en-US" dirty="0"/>
+          </a:p>
+        </p:txBody>
+      </p:sp>
+      <p:sp>
+        <p:nvSpPr>
+          <p:cNvPr id="3" name="内容占位符 2"/>
+          <p:cNvSpPr>
+            <a:spLocks noGrp="1"/>
+          </p:cNvSpPr>
+          <p:nvPr>
+            <p:ph idx="1"/>
+          </p:nvPr>
+        </p:nvSpPr>
+        <p:spPr/>
+        <p:txBody>
+          <a:bodyPr/>
+          <a:lstStyle/>
+          <a:p>
+            <a:r>
+              <a:rPr kumimoji="1" lang="en-US" altLang="zh-CN" dirty="0" err="1" smtClean="0"/>
+              <a:t>Math.max</a:t>
+            </a:r>
+            <a:r>
+              <a:rPr kumimoji="1" lang="en-US" altLang="zh-CN" dirty="0" smtClean="0"/>
+              <a:t> </a:t>
+            </a:r>
+            <a:r>
+              <a:rPr kumimoji="1" lang="zh-CN" altLang="en-US" dirty="0" smtClean="0"/>
+              <a:t>求最大值</a:t>
+            </a:r>
+            <a:endParaRPr kumimoji="1" lang="zh-CN" altLang="en-US" dirty="0"/>
+          </a:p>
+        </p:txBody>
+      </p:sp>
+    </p:spTree>
+    <p:extLst>
+      <p:ext uri="{BB962C8B-B14F-4D97-AF65-F5344CB8AC3E}">
+        <p14:creationId xmlns:p14="http://schemas.microsoft.com/office/powerpoint/2010/main" val="2200703862"/>
+      </p:ext>
+    </p:extLst>
+  </p:cSld>
+  <p:clrMapOvr>
+    <a:masterClrMapping/>
+  </p:clrMapOvr>
+</p:sld>
+</file>
+
+<file path=ppt/slides/slide19.xml><?xml version="1.0" encoding="utf-8"?>
+<p:sld xmlns:a="http://schemas.openxmlformats.org/drawingml/2006/main" xmlns:r="http://schemas.openxmlformats.org/officeDocument/2006/relationships" xmlns:p="http://schemas.openxmlformats.org/presentationml/2006/main">
+  <p:cSld>
+    <p:spTree>
+      <p:nvGrpSpPr>
+        <p:cNvPr id="1" name=""/>
+        <p:cNvGrpSpPr/>
+        <p:nvPr/>
+      </p:nvGrpSpPr>
+      <p:grpSpPr>
+        <a:xfrm>
+          <a:off x="0" y="0"/>
+          <a:ext cx="0" cy="0"/>
+          <a:chOff x="0" y="0"/>
+          <a:chExt cx="0" cy="0"/>
+        </a:xfrm>
+      </p:grpSpPr>
+      <p:sp>
+        <p:nvSpPr>
+          <p:cNvPr id="2" name="标题 1"/>
+          <p:cNvSpPr>
+            <a:spLocks noGrp="1"/>
+          </p:cNvSpPr>
+          <p:nvPr>
+            <p:ph type="title"/>
+          </p:nvPr>
+        </p:nvSpPr>
+        <p:spPr/>
+        <p:txBody>
+          <a:bodyPr/>
+          <a:lstStyle/>
+          <a:p>
+            <a:r>
+              <a:rPr kumimoji="1" lang="zh-CN" altLang="en-US" dirty="0" smtClean="0"/>
+              <a:t>控制台</a:t>
+            </a:r>
+            <a:r>
+              <a:rPr kumimoji="1" lang="en-US" altLang="zh-CN" dirty="0" smtClean="0"/>
+              <a:t>console</a:t>
+            </a:r>
+            <a:endParaRPr kumimoji="1" lang="zh-CN" altLang="en-US" dirty="0"/>
+          </a:p>
+        </p:txBody>
+      </p:sp>
+      <p:sp>
+        <p:nvSpPr>
+          <p:cNvPr id="3" name="内容占位符 2"/>
+          <p:cNvSpPr>
+            <a:spLocks noGrp="1"/>
+          </p:cNvSpPr>
+          <p:nvPr>
+            <p:ph idx="1"/>
+          </p:nvPr>
+        </p:nvSpPr>
+        <p:spPr>
+          <a:xfrm>
+            <a:off x="457200" y="1600200"/>
+            <a:ext cx="8229600" cy="2604911"/>
+          </a:xfrm>
+        </p:spPr>
+        <p:txBody>
+          <a:bodyPr/>
+          <a:lstStyle/>
+          <a:p>
+            <a:r>
+              <a:rPr kumimoji="1" lang="en-US" altLang="zh-CN" dirty="0" err="1"/>
+              <a:t>c</a:t>
+            </a:r>
+            <a:r>
+              <a:rPr kumimoji="1" lang="en-US" altLang="zh-CN" dirty="0" err="1" smtClean="0"/>
+              <a:t>onsole.error</a:t>
+            </a:r>
+            <a:r>
+              <a:rPr kumimoji="1" lang="en-US" altLang="zh-CN" dirty="0" smtClean="0"/>
+              <a:t> </a:t>
+            </a:r>
+            <a:r>
+              <a:rPr kumimoji="1" lang="zh-CN" altLang="en-US" dirty="0" smtClean="0"/>
+              <a:t>输出错误信息</a:t>
+            </a:r>
+            <a:endParaRPr kumimoji="1" lang="en-US" altLang="zh-CN" dirty="0" smtClean="0"/>
+          </a:p>
+          <a:p>
+            <a:r>
+              <a:rPr kumimoji="1" lang="en-US" altLang="zh-CN" dirty="0" err="1" smtClean="0"/>
+              <a:t>console.warn</a:t>
+            </a:r>
+            <a:r>
+              <a:rPr kumimoji="1" lang="en-US" altLang="zh-CN" dirty="0" smtClean="0"/>
+              <a:t> </a:t>
+            </a:r>
+            <a:r>
+              <a:rPr kumimoji="1" lang="zh-CN" altLang="en-US" dirty="0" smtClean="0"/>
+              <a:t>输出警告信息</a:t>
+            </a:r>
+            <a:endParaRPr kumimoji="1" lang="en-US" altLang="zh-CN" dirty="0" smtClean="0"/>
+          </a:p>
+          <a:p>
+            <a:r>
+              <a:rPr kumimoji="1" lang="en-US" altLang="zh-CN" dirty="0" err="1"/>
+              <a:t>c</a:t>
+            </a:r>
+            <a:r>
+              <a:rPr kumimoji="1" lang="en-US" altLang="zh-CN" dirty="0" err="1" smtClean="0"/>
+              <a:t>onsole.info</a:t>
+            </a:r>
+            <a:r>
+              <a:rPr kumimoji="1" lang="en-US" altLang="zh-CN" dirty="0" smtClean="0"/>
+              <a:t> </a:t>
+            </a:r>
+            <a:r>
+              <a:rPr kumimoji="1" lang="zh-CN" altLang="en-US" dirty="0" smtClean="0"/>
+              <a:t>输出信息</a:t>
+            </a:r>
+            <a:endParaRPr kumimoji="1" lang="en-US" altLang="zh-CN" dirty="0" smtClean="0"/>
+          </a:p>
+          <a:p>
+            <a:r>
+              <a:rPr kumimoji="1" lang="en-US" altLang="zh-CN" dirty="0" err="1"/>
+              <a:t>c</a:t>
+            </a:r>
+            <a:r>
+              <a:rPr kumimoji="1" lang="en-US" altLang="zh-CN" dirty="0" err="1" smtClean="0"/>
+              <a:t>onsole.log</a:t>
+            </a:r>
+            <a:r>
+              <a:rPr kumimoji="1" lang="en-US" altLang="zh-CN" dirty="0" smtClean="0"/>
+              <a:t> </a:t>
+            </a:r>
+            <a:r>
+              <a:rPr kumimoji="1" lang="zh-CN" altLang="en-US" dirty="0" smtClean="0"/>
+              <a:t>输出日志</a:t>
+            </a:r>
+            <a:endParaRPr kumimoji="1" lang="zh-CN" altLang="en-US" dirty="0"/>
+          </a:p>
+        </p:txBody>
+      </p:sp>
+    </p:spTree>
+    <p:extLst>
+      <p:ext uri="{BB962C8B-B14F-4D97-AF65-F5344CB8AC3E}">
+        <p14:creationId xmlns:p14="http://schemas.microsoft.com/office/powerpoint/2010/main" val="1177679800"/>
       </p:ext>
     </p:extLst>
   </p:cSld>
@@ -4271,6 +4566,306 @@
       </p:par>
     </p:tnLst>
   </p:timing>
+</p:sld>
+</file>
+
+<file path=ppt/slides/slide20.xml><?xml version="1.0" encoding="utf-8"?>
+<p:sld xmlns:a="http://schemas.openxmlformats.org/drawingml/2006/main" xmlns:r="http://schemas.openxmlformats.org/officeDocument/2006/relationships" xmlns:p="http://schemas.openxmlformats.org/presentationml/2006/main">
+  <p:cSld>
+    <p:spTree>
+      <p:nvGrpSpPr>
+        <p:cNvPr id="1" name=""/>
+        <p:cNvGrpSpPr/>
+        <p:nvPr/>
+      </p:nvGrpSpPr>
+      <p:grpSpPr>
+        <a:xfrm>
+          <a:off x="0" y="0"/>
+          <a:ext cx="0" cy="0"/>
+          <a:chOff x="0" y="0"/>
+          <a:chExt cx="0" cy="0"/>
+        </a:xfrm>
+      </p:grpSpPr>
+      <p:sp>
+        <p:nvSpPr>
+          <p:cNvPr id="2" name="标题 1"/>
+          <p:cNvSpPr>
+            <a:spLocks noGrp="1"/>
+          </p:cNvSpPr>
+          <p:nvPr>
+            <p:ph type="title"/>
+          </p:nvPr>
+        </p:nvSpPr>
+        <p:spPr/>
+        <p:txBody>
+          <a:bodyPr/>
+          <a:lstStyle/>
+          <a:p>
+            <a:r>
+              <a:rPr kumimoji="1" lang="zh-CN" altLang="en-US" dirty="0" smtClean="0"/>
+              <a:t>作业</a:t>
+            </a:r>
+            <a:endParaRPr kumimoji="1" lang="zh-CN" altLang="en-US" dirty="0"/>
+          </a:p>
+        </p:txBody>
+      </p:sp>
+      <p:sp>
+        <p:nvSpPr>
+          <p:cNvPr id="3" name="内容占位符 2"/>
+          <p:cNvSpPr>
+            <a:spLocks noGrp="1"/>
+          </p:cNvSpPr>
+          <p:nvPr>
+            <p:ph idx="1"/>
+          </p:nvPr>
+        </p:nvSpPr>
+        <p:spPr>
+          <a:xfrm>
+            <a:off x="457200" y="1600201"/>
+            <a:ext cx="8229600" cy="685800"/>
+          </a:xfrm>
+        </p:spPr>
+        <p:txBody>
+          <a:bodyPr/>
+          <a:lstStyle/>
+          <a:p>
+            <a:r>
+              <a:rPr kumimoji="1" lang="zh-CN" altLang="en-US" dirty="0" smtClean="0"/>
+              <a:t>实现</a:t>
+            </a:r>
+            <a:r>
+              <a:rPr kumimoji="1" lang="en-US" altLang="zh-CN" dirty="0" err="1" smtClean="0"/>
+              <a:t>printf</a:t>
+            </a:r>
+            <a:r>
+              <a:rPr kumimoji="1" lang="zh-CN" altLang="en-US" dirty="0" smtClean="0"/>
+              <a:t>函数，效果如下</a:t>
+            </a:r>
+            <a:endParaRPr kumimoji="1" lang="zh-CN" altLang="en-US" dirty="0"/>
+          </a:p>
+        </p:txBody>
+      </p:sp>
+      <p:pic>
+        <p:nvPicPr>
+          <p:cNvPr id="5" name="图片 4" descr="Screen Shot 2016-06-12 at 4.59.44 PM.png"/>
+          <p:cNvPicPr>
+            <a:picLocks noChangeAspect="1"/>
+          </p:cNvPicPr>
+          <p:nvPr/>
+        </p:nvPicPr>
+        <p:blipFill>
+          <a:blip r:embed="rId2">
+            <a:extLst>
+              <a:ext uri="{28A0092B-C50C-407E-A947-70E740481C1C}">
+                <a14:useLocalDpi xmlns:a14="http://schemas.microsoft.com/office/drawing/2010/main" val="0"/>
+              </a:ext>
+            </a:extLst>
+          </a:blip>
+          <a:stretch>
+            <a:fillRect/>
+          </a:stretch>
+        </p:blipFill>
+        <p:spPr>
+          <a:xfrm>
+            <a:off x="1255889" y="2623255"/>
+            <a:ext cx="5588000" cy="3162300"/>
+          </a:xfrm>
+          <a:prstGeom prst="rect">
+            <a:avLst/>
+          </a:prstGeom>
+        </p:spPr>
+      </p:pic>
+    </p:spTree>
+    <p:extLst>
+      <p:ext uri="{BB962C8B-B14F-4D97-AF65-F5344CB8AC3E}">
+        <p14:creationId xmlns:p14="http://schemas.microsoft.com/office/powerpoint/2010/main" val="1033835893"/>
+      </p:ext>
+    </p:extLst>
+  </p:cSld>
+  <p:clrMapOvr>
+    <a:masterClrMapping/>
+  </p:clrMapOvr>
+</p:sld>
+</file>
+
+<file path=ppt/slides/slide21.xml><?xml version="1.0" encoding="utf-8"?>
+<p:sld xmlns:a="http://schemas.openxmlformats.org/drawingml/2006/main" xmlns:r="http://schemas.openxmlformats.org/officeDocument/2006/relationships" xmlns:p="http://schemas.openxmlformats.org/presentationml/2006/main">
+  <p:cSld>
+    <p:spTree>
+      <p:nvGrpSpPr>
+        <p:cNvPr id="1" name=""/>
+        <p:cNvGrpSpPr/>
+        <p:nvPr/>
+      </p:nvGrpSpPr>
+      <p:grpSpPr>
+        <a:xfrm>
+          <a:off x="0" y="0"/>
+          <a:ext cx="0" cy="0"/>
+          <a:chOff x="0" y="0"/>
+          <a:chExt cx="0" cy="0"/>
+        </a:xfrm>
+      </p:grpSpPr>
+      <p:sp>
+        <p:nvSpPr>
+          <p:cNvPr id="2" name="标题 1"/>
+          <p:cNvSpPr>
+            <a:spLocks noGrp="1"/>
+          </p:cNvSpPr>
+          <p:nvPr>
+            <p:ph type="title"/>
+          </p:nvPr>
+        </p:nvSpPr>
+        <p:spPr/>
+        <p:txBody>
+          <a:bodyPr/>
+          <a:lstStyle/>
+          <a:p>
+            <a:r>
+              <a:rPr kumimoji="1" lang="en-US" altLang="zh-CN" dirty="0" smtClean="0"/>
+              <a:t>DOM</a:t>
+            </a:r>
+            <a:r>
+              <a:rPr kumimoji="1" lang="zh-CN" altLang="en-US" dirty="0" smtClean="0"/>
+              <a:t>操作</a:t>
+            </a:r>
+            <a:endParaRPr kumimoji="1" lang="zh-CN" altLang="en-US" dirty="0"/>
+          </a:p>
+        </p:txBody>
+      </p:sp>
+      <p:sp>
+        <p:nvSpPr>
+          <p:cNvPr id="3" name="内容占位符 2"/>
+          <p:cNvSpPr>
+            <a:spLocks noGrp="1"/>
+          </p:cNvSpPr>
+          <p:nvPr>
+            <p:ph idx="1"/>
+          </p:nvPr>
+        </p:nvSpPr>
+        <p:spPr/>
+        <p:txBody>
+          <a:bodyPr/>
+          <a:lstStyle/>
+          <a:p>
+            <a:r>
+              <a:rPr kumimoji="1" lang="zh-CN" altLang="en-US" dirty="0" smtClean="0"/>
+              <a:t>获取节点</a:t>
+            </a:r>
+            <a:endParaRPr kumimoji="1" lang="en-US" altLang="zh-CN" dirty="0" smtClean="0"/>
+          </a:p>
+          <a:p>
+            <a:r>
+              <a:rPr kumimoji="1" lang="zh-CN" altLang="en-US" dirty="0" smtClean="0"/>
+              <a:t>修改节点</a:t>
+            </a:r>
+            <a:endParaRPr kumimoji="1" lang="en-US" altLang="zh-CN" dirty="0" smtClean="0"/>
+          </a:p>
+          <a:p>
+            <a:r>
+              <a:rPr kumimoji="1" lang="zh-CN" altLang="en-US" dirty="0" smtClean="0"/>
+              <a:t>删除节点</a:t>
+            </a:r>
+            <a:endParaRPr kumimoji="1" lang="zh-CN" altLang="en-US" dirty="0"/>
+          </a:p>
+        </p:txBody>
+      </p:sp>
+    </p:spTree>
+    <p:extLst>
+      <p:ext uri="{BB962C8B-B14F-4D97-AF65-F5344CB8AC3E}">
+        <p14:creationId xmlns:p14="http://schemas.microsoft.com/office/powerpoint/2010/main" val="686156828"/>
+      </p:ext>
+    </p:extLst>
+  </p:cSld>
+  <p:clrMapOvr>
+    <a:masterClrMapping/>
+  </p:clrMapOvr>
+</p:sld>
+</file>
+
+<file path=ppt/slides/slide22.xml><?xml version="1.0" encoding="utf-8"?>
+<p:sld xmlns:a="http://schemas.openxmlformats.org/drawingml/2006/main" xmlns:r="http://schemas.openxmlformats.org/officeDocument/2006/relationships" xmlns:p="http://schemas.openxmlformats.org/presentationml/2006/main">
+  <p:cSld>
+    <p:spTree>
+      <p:nvGrpSpPr>
+        <p:cNvPr id="1" name=""/>
+        <p:cNvGrpSpPr/>
+        <p:nvPr/>
+      </p:nvGrpSpPr>
+      <p:grpSpPr>
+        <a:xfrm>
+          <a:off x="0" y="0"/>
+          <a:ext cx="0" cy="0"/>
+          <a:chOff x="0" y="0"/>
+          <a:chExt cx="0" cy="0"/>
+        </a:xfrm>
+      </p:grpSpPr>
+      <p:sp>
+        <p:nvSpPr>
+          <p:cNvPr id="2" name="标题 1"/>
+          <p:cNvSpPr>
+            <a:spLocks noGrp="1"/>
+          </p:cNvSpPr>
+          <p:nvPr>
+            <p:ph type="title"/>
+          </p:nvPr>
+        </p:nvSpPr>
+        <p:spPr/>
+        <p:txBody>
+          <a:bodyPr/>
+          <a:lstStyle/>
+          <a:p>
+            <a:r>
+              <a:rPr kumimoji="1" lang="zh-CN" altLang="en-US" dirty="0" smtClean="0"/>
+              <a:t>作业</a:t>
+            </a:r>
+            <a:endParaRPr kumimoji="1" lang="zh-CN" altLang="en-US" dirty="0"/>
+          </a:p>
+        </p:txBody>
+      </p:sp>
+      <p:sp>
+        <p:nvSpPr>
+          <p:cNvPr id="3" name="内容占位符 2"/>
+          <p:cNvSpPr>
+            <a:spLocks noGrp="1"/>
+          </p:cNvSpPr>
+          <p:nvPr>
+            <p:ph idx="1"/>
+          </p:nvPr>
+        </p:nvSpPr>
+        <p:spPr/>
+        <p:txBody>
+          <a:bodyPr/>
+          <a:lstStyle/>
+          <a:p>
+            <a:pPr marL="0" indent="0">
+              <a:buNone/>
+            </a:pPr>
+            <a:r>
+              <a:rPr kumimoji="1" lang="zh-CN" altLang="en-US" dirty="0" smtClean="0"/>
+              <a:t>用</a:t>
+            </a:r>
+            <a:r>
+              <a:rPr kumimoji="1" lang="en-US" altLang="zh-CN" dirty="0" err="1" smtClean="0"/>
+              <a:t>js</a:t>
+            </a:r>
+            <a:r>
+              <a:rPr kumimoji="1" lang="zh-CN" altLang="en-US" dirty="0" smtClean="0"/>
+              <a:t>生成学生姓名分数列表，点击分数可以进行正向和反向排序</a:t>
+            </a:r>
+            <a:endParaRPr kumimoji="1" lang="zh-CN" altLang="en-US" dirty="0"/>
+          </a:p>
+        </p:txBody>
+      </p:sp>
+    </p:spTree>
+    <p:extLst>
+      <p:ext uri="{BB962C8B-B14F-4D97-AF65-F5344CB8AC3E}">
+        <p14:creationId xmlns:p14="http://schemas.microsoft.com/office/powerpoint/2010/main" val="1477416933"/>
+      </p:ext>
+    </p:extLst>
+  </p:cSld>
+  <p:clrMapOvr>
+    <a:masterClrMapping/>
+  </p:clrMapOvr>
 </p:sld>
 </file>
 

--- a/JavaScript教学记录.pptx
+++ b/JavaScript教学记录.pptx
@@ -27,6 +27,8 @@
     <p:sldId id="270" r:id="rId21"/>
     <p:sldId id="276" r:id="rId22"/>
     <p:sldId id="277" r:id="rId23"/>
+    <p:sldId id="278" r:id="rId24"/>
+    <p:sldId id="279" r:id="rId25"/>
   </p:sldIdLst>
   <p:sldSz cx="9144000" cy="6858000" type="screen4x3"/>
   <p:notesSz cx="6858000" cy="9144000"/>
@@ -160,6 +162,8 @@
             <p14:sldId id="270"/>
             <p14:sldId id="276"/>
             <p14:sldId id="277"/>
+            <p14:sldId id="278"/>
+            <p14:sldId id="279"/>
           </p14:sldIdLst>
         </p14:section>
       </p14:sectionLst>
@@ -349,7 +353,7 @@
           <a:p>
             <a:fld id="{C635D755-6113-1D4F-8A58-71A4F06ADD9C}" type="datetimeFigureOut">
               <a:rPr kumimoji="1" lang="zh-CN" altLang="en-US" smtClean="0"/>
-              <a:t>6/13/16</a:t>
+              <a:t>6/15/16</a:t>
             </a:fld>
             <a:endParaRPr kumimoji="1" lang="zh-CN" altLang="en-US"/>
           </a:p>
@@ -519,7 +523,7 @@
           <a:p>
             <a:fld id="{C635D755-6113-1D4F-8A58-71A4F06ADD9C}" type="datetimeFigureOut">
               <a:rPr kumimoji="1" lang="zh-CN" altLang="en-US" smtClean="0"/>
-              <a:t>6/13/16</a:t>
+              <a:t>6/15/16</a:t>
             </a:fld>
             <a:endParaRPr kumimoji="1" lang="zh-CN" altLang="en-US"/>
           </a:p>
@@ -699,7 +703,7 @@
           <a:p>
             <a:fld id="{C635D755-6113-1D4F-8A58-71A4F06ADD9C}" type="datetimeFigureOut">
               <a:rPr kumimoji="1" lang="zh-CN" altLang="en-US" smtClean="0"/>
-              <a:t>6/13/16</a:t>
+              <a:t>6/15/16</a:t>
             </a:fld>
             <a:endParaRPr kumimoji="1" lang="zh-CN" altLang="en-US"/>
           </a:p>
@@ -869,7 +873,7 @@
           <a:p>
             <a:fld id="{C635D755-6113-1D4F-8A58-71A4F06ADD9C}" type="datetimeFigureOut">
               <a:rPr kumimoji="1" lang="zh-CN" altLang="en-US" smtClean="0"/>
-              <a:t>6/13/16</a:t>
+              <a:t>6/15/16</a:t>
             </a:fld>
             <a:endParaRPr kumimoji="1" lang="zh-CN" altLang="en-US"/>
           </a:p>
@@ -1115,7 +1119,7 @@
           <a:p>
             <a:fld id="{C635D755-6113-1D4F-8A58-71A4F06ADD9C}" type="datetimeFigureOut">
               <a:rPr kumimoji="1" lang="zh-CN" altLang="en-US" smtClean="0"/>
-              <a:t>6/13/16</a:t>
+              <a:t>6/15/16</a:t>
             </a:fld>
             <a:endParaRPr kumimoji="1" lang="zh-CN" altLang="en-US"/>
           </a:p>
@@ -1403,7 +1407,7 @@
           <a:p>
             <a:fld id="{C635D755-6113-1D4F-8A58-71A4F06ADD9C}" type="datetimeFigureOut">
               <a:rPr kumimoji="1" lang="zh-CN" altLang="en-US" smtClean="0"/>
-              <a:t>6/13/16</a:t>
+              <a:t>6/15/16</a:t>
             </a:fld>
             <a:endParaRPr kumimoji="1" lang="zh-CN" altLang="en-US"/>
           </a:p>
@@ -1825,7 +1829,7 @@
           <a:p>
             <a:fld id="{C635D755-6113-1D4F-8A58-71A4F06ADD9C}" type="datetimeFigureOut">
               <a:rPr kumimoji="1" lang="zh-CN" altLang="en-US" smtClean="0"/>
-              <a:t>6/13/16</a:t>
+              <a:t>6/15/16</a:t>
             </a:fld>
             <a:endParaRPr kumimoji="1" lang="zh-CN" altLang="en-US"/>
           </a:p>
@@ -1943,7 +1947,7 @@
           <a:p>
             <a:fld id="{C635D755-6113-1D4F-8A58-71A4F06ADD9C}" type="datetimeFigureOut">
               <a:rPr kumimoji="1" lang="zh-CN" altLang="en-US" smtClean="0"/>
-              <a:t>6/13/16</a:t>
+              <a:t>6/15/16</a:t>
             </a:fld>
             <a:endParaRPr kumimoji="1" lang="zh-CN" altLang="en-US"/>
           </a:p>
@@ -2038,7 +2042,7 @@
           <a:p>
             <a:fld id="{C635D755-6113-1D4F-8A58-71A4F06ADD9C}" type="datetimeFigureOut">
               <a:rPr kumimoji="1" lang="zh-CN" altLang="en-US" smtClean="0"/>
-              <a:t>6/13/16</a:t>
+              <a:t>6/15/16</a:t>
             </a:fld>
             <a:endParaRPr kumimoji="1" lang="zh-CN" altLang="en-US"/>
           </a:p>
@@ -2315,7 +2319,7 @@
           <a:p>
             <a:fld id="{C635D755-6113-1D4F-8A58-71A4F06ADD9C}" type="datetimeFigureOut">
               <a:rPr kumimoji="1" lang="zh-CN" altLang="en-US" smtClean="0"/>
-              <a:t>6/13/16</a:t>
+              <a:t>6/15/16</a:t>
             </a:fld>
             <a:endParaRPr kumimoji="1" lang="zh-CN" altLang="en-US"/>
           </a:p>
@@ -2568,7 +2572,7 @@
           <a:p>
             <a:fld id="{C635D755-6113-1D4F-8A58-71A4F06ADD9C}" type="datetimeFigureOut">
               <a:rPr kumimoji="1" lang="zh-CN" altLang="en-US" smtClean="0"/>
-              <a:t>6/13/16</a:t>
+              <a:t>6/15/16</a:t>
             </a:fld>
             <a:endParaRPr kumimoji="1" lang="zh-CN" altLang="en-US"/>
           </a:p>
@@ -2781,7 +2785,7 @@
           <a:p>
             <a:fld id="{C635D755-6113-1D4F-8A58-71A4F06ADD9C}" type="datetimeFigureOut">
               <a:rPr kumimoji="1" lang="zh-CN" altLang="en-US" smtClean="0"/>
-              <a:t>6/13/16</a:t>
+              <a:t>6/15/16</a:t>
             </a:fld>
             <a:endParaRPr kumimoji="1" lang="zh-CN" altLang="en-US"/>
           </a:p>
@@ -3506,11 +3510,7 @@
             </a:r>
             <a:r>
               <a:rPr lang="zh-CN" altLang="en-US" dirty="0" smtClean="0"/>
-              <a:t>关键</a:t>
-            </a:r>
-            <a:r>
-              <a:rPr lang="zh-CN" altLang="en-US" dirty="0" smtClean="0"/>
-              <a:t>字</a:t>
+              <a:t>关键字</a:t>
             </a:r>
             <a:endParaRPr lang="en-US" altLang="zh-CN" dirty="0" smtClean="0"/>
           </a:p>
@@ -3628,11 +3628,7 @@
             </a:r>
             <a:r>
               <a:rPr kumimoji="1" lang="zh-CN" altLang="en-US" dirty="0" smtClean="0"/>
-              <a:t>用于判断数据</a:t>
-            </a:r>
-            <a:r>
-              <a:rPr kumimoji="1" lang="zh-CN" altLang="en-US" dirty="0" smtClean="0"/>
-              <a:t>的类型</a:t>
+              <a:t>用于判断数据的类型</a:t>
             </a:r>
             <a:endParaRPr kumimoji="1" lang="en-US" altLang="zh-CN" dirty="0" smtClean="0"/>
           </a:p>
@@ -4860,6 +4856,185 @@
     <p:extLst>
       <p:ext uri="{BB962C8B-B14F-4D97-AF65-F5344CB8AC3E}">
         <p14:creationId xmlns:p14="http://schemas.microsoft.com/office/powerpoint/2010/main" val="1477416933"/>
+      </p:ext>
+    </p:extLst>
+  </p:cSld>
+  <p:clrMapOvr>
+    <a:masterClrMapping/>
+  </p:clrMapOvr>
+</p:sld>
+</file>
+
+<file path=ppt/slides/slide23.xml><?xml version="1.0" encoding="utf-8"?>
+<p:sld xmlns:a="http://schemas.openxmlformats.org/drawingml/2006/main" xmlns:r="http://schemas.openxmlformats.org/officeDocument/2006/relationships" xmlns:p="http://schemas.openxmlformats.org/presentationml/2006/main">
+  <p:cSld>
+    <p:spTree>
+      <p:nvGrpSpPr>
+        <p:cNvPr id="1" name=""/>
+        <p:cNvGrpSpPr/>
+        <p:nvPr/>
+      </p:nvGrpSpPr>
+      <p:grpSpPr>
+        <a:xfrm>
+          <a:off x="0" y="0"/>
+          <a:ext cx="0" cy="0"/>
+          <a:chOff x="0" y="0"/>
+          <a:chExt cx="0" cy="0"/>
+        </a:xfrm>
+      </p:grpSpPr>
+      <p:sp>
+        <p:nvSpPr>
+          <p:cNvPr id="2" name="标题 1"/>
+          <p:cNvSpPr>
+            <a:spLocks noGrp="1"/>
+          </p:cNvSpPr>
+          <p:nvPr>
+            <p:ph type="title"/>
+          </p:nvPr>
+        </p:nvSpPr>
+        <p:spPr/>
+        <p:txBody>
+          <a:bodyPr/>
+          <a:lstStyle/>
+          <a:p>
+            <a:r>
+              <a:rPr kumimoji="1" lang="zh-CN" altLang="en-US" dirty="0" smtClean="0"/>
+              <a:t>记时器</a:t>
+            </a:r>
+            <a:endParaRPr kumimoji="1" lang="zh-CN" altLang="en-US" dirty="0"/>
+          </a:p>
+        </p:txBody>
+      </p:sp>
+      <p:sp>
+        <p:nvSpPr>
+          <p:cNvPr id="3" name="内容占位符 2"/>
+          <p:cNvSpPr>
+            <a:spLocks noGrp="1"/>
+          </p:cNvSpPr>
+          <p:nvPr>
+            <p:ph idx="1"/>
+          </p:nvPr>
+        </p:nvSpPr>
+        <p:spPr/>
+        <p:txBody>
+          <a:bodyPr/>
+          <a:lstStyle/>
+          <a:p>
+            <a:r>
+              <a:rPr kumimoji="1" lang="en-US" altLang="zh-CN" dirty="0" err="1" smtClean="0"/>
+              <a:t>setTimeout</a:t>
+            </a:r>
+            <a:r>
+              <a:rPr kumimoji="1" lang="en-US" altLang="zh-CN" dirty="0" smtClean="0"/>
+              <a:t> </a:t>
+            </a:r>
+            <a:r>
+              <a:rPr kumimoji="1" lang="zh-CN" altLang="en-US" dirty="0" smtClean="0"/>
+              <a:t>延时执行代码</a:t>
+            </a:r>
+            <a:endParaRPr kumimoji="1" lang="en-US" altLang="zh-CN" dirty="0" smtClean="0"/>
+          </a:p>
+          <a:p>
+            <a:r>
+              <a:rPr kumimoji="1" lang="en-US" altLang="zh-CN" dirty="0" err="1" smtClean="0"/>
+              <a:t>setInterval</a:t>
+            </a:r>
+            <a:r>
+              <a:rPr kumimoji="1" lang="en-US" altLang="zh-CN" dirty="0" smtClean="0"/>
+              <a:t> </a:t>
+            </a:r>
+            <a:r>
+              <a:rPr kumimoji="1" lang="zh-CN" altLang="en-US" dirty="0" smtClean="0"/>
+              <a:t>间隔执行代码</a:t>
+            </a:r>
+            <a:endParaRPr kumimoji="1" lang="zh-CN" altLang="en-US" dirty="0"/>
+          </a:p>
+        </p:txBody>
+      </p:sp>
+    </p:spTree>
+    <p:extLst>
+      <p:ext uri="{BB962C8B-B14F-4D97-AF65-F5344CB8AC3E}">
+        <p14:creationId xmlns:p14="http://schemas.microsoft.com/office/powerpoint/2010/main" val="1280571007"/>
+      </p:ext>
+    </p:extLst>
+  </p:cSld>
+  <p:clrMapOvr>
+    <a:masterClrMapping/>
+  </p:clrMapOvr>
+</p:sld>
+</file>
+
+<file path=ppt/slides/slide24.xml><?xml version="1.0" encoding="utf-8"?>
+<p:sld xmlns:a="http://schemas.openxmlformats.org/drawingml/2006/main" xmlns:r="http://schemas.openxmlformats.org/officeDocument/2006/relationships" xmlns:p="http://schemas.openxmlformats.org/presentationml/2006/main">
+  <p:cSld>
+    <p:spTree>
+      <p:nvGrpSpPr>
+        <p:cNvPr id="1" name=""/>
+        <p:cNvGrpSpPr/>
+        <p:nvPr/>
+      </p:nvGrpSpPr>
+      <p:grpSpPr>
+        <a:xfrm>
+          <a:off x="0" y="0"/>
+          <a:ext cx="0" cy="0"/>
+          <a:chOff x="0" y="0"/>
+          <a:chExt cx="0" cy="0"/>
+        </a:xfrm>
+      </p:grpSpPr>
+      <p:sp>
+        <p:nvSpPr>
+          <p:cNvPr id="2" name="标题 1"/>
+          <p:cNvSpPr>
+            <a:spLocks noGrp="1"/>
+          </p:cNvSpPr>
+          <p:nvPr>
+            <p:ph type="title"/>
+          </p:nvPr>
+        </p:nvSpPr>
+        <p:spPr/>
+        <p:txBody>
+          <a:bodyPr/>
+          <a:lstStyle/>
+          <a:p>
+            <a:r>
+              <a:rPr kumimoji="1" lang="zh-CN" altLang="en-US" dirty="0" smtClean="0"/>
+              <a:t>日期对象</a:t>
+            </a:r>
+            <a:r>
+              <a:rPr kumimoji="1" lang="en-US" altLang="zh-CN" dirty="0" smtClean="0"/>
+              <a:t>(Date)</a:t>
+            </a:r>
+            <a:endParaRPr kumimoji="1" lang="zh-CN" altLang="en-US" dirty="0"/>
+          </a:p>
+        </p:txBody>
+      </p:sp>
+      <p:sp>
+        <p:nvSpPr>
+          <p:cNvPr id="3" name="内容占位符 2"/>
+          <p:cNvSpPr>
+            <a:spLocks noGrp="1"/>
+          </p:cNvSpPr>
+          <p:nvPr>
+            <p:ph idx="1"/>
+          </p:nvPr>
+        </p:nvSpPr>
+        <p:spPr/>
+        <p:txBody>
+          <a:bodyPr/>
+          <a:lstStyle/>
+          <a:p>
+            <a:r>
+              <a:rPr kumimoji="1" lang="en-US" altLang="zh-CN" dirty="0" smtClean="0"/>
+              <a:t>Date</a:t>
+            </a:r>
+            <a:endParaRPr kumimoji="1" lang="zh-CN" altLang="en-US" dirty="0"/>
+          </a:p>
+        </p:txBody>
+      </p:sp>
+    </p:spTree>
+    <p:extLst>
+      <p:ext uri="{BB962C8B-B14F-4D97-AF65-F5344CB8AC3E}">
+        <p14:creationId xmlns:p14="http://schemas.microsoft.com/office/powerpoint/2010/main" val="3780501843"/>
       </p:ext>
     </p:extLst>
   </p:cSld>
